--- a/Interview Summary/PPT-self _indroduction/xx大学自我介绍.pptx
+++ b/Interview Summary/PPT-self _indroduction/xx大学自我介绍.pptx
@@ -239,7 +239,7 @@
           <a:p>
             <a:fld id="{B5092D09-6E53-4EE3-94EA-323CDEEA173D}" type="datetimeFigureOut">
               <a:rPr lang="zh-CN" altLang="en-US" smtClean="0"/>
-              <a:t>2023/9/8</a:t>
+              <a:t>2023/10/30</a:t>
             </a:fld>
             <a:endParaRPr lang="zh-CN" altLang="en-US"/>
           </a:p>
@@ -560,7 +560,19 @@
             </a:r>
             <a:r>
               <a:rPr lang="zh-CN" altLang="en-US" dirty="0"/>
-              <a:t>，来自西南交通大学交通工程专业，很高兴有机会能够参加</a:t>
+              <a:t>，来自</a:t>
+            </a:r>
+            <a:r>
+              <a:rPr lang="en-US" altLang="zh-CN"/>
+              <a:t>xx</a:t>
+            </a:r>
+            <a:r>
+              <a:rPr lang="zh-CN" altLang="en-US"/>
+              <a:t>大学</a:t>
+            </a:r>
+            <a:r>
+              <a:rPr lang="zh-CN" altLang="en-US" dirty="0"/>
+              <a:t>交通工程专业，很高兴有机会能够参加</a:t>
             </a:r>
             <a:r>
               <a:rPr lang="en-US" altLang="zh-CN" dirty="0"/>
@@ -2253,7 +2265,7 @@
           <a:p>
             <a:fld id="{A684B914-9BB2-4713-9EBF-61770F406B81}" type="datetime1">
               <a:rPr lang="zh-CN" altLang="en-US" smtClean="0"/>
-              <a:t>2023/9/8</a:t>
+              <a:t>2023/10/30</a:t>
             </a:fld>
             <a:endParaRPr lang="zh-CN" altLang="en-US"/>
           </a:p>
@@ -2370,7 +2382,7 @@
           <a:p>
             <a:fld id="{A684B914-9BB2-4713-9EBF-61770F406B81}" type="datetime1">
               <a:rPr lang="zh-CN" altLang="en-US" smtClean="0"/>
-              <a:t>2023/9/8</a:t>
+              <a:t>2023/10/30</a:t>
             </a:fld>
             <a:endParaRPr lang="zh-CN" altLang="en-US"/>
           </a:p>
@@ -2581,7 +2593,7 @@
           <a:p>
             <a:fld id="{A684B914-9BB2-4713-9EBF-61770F406B81}" type="datetime1">
               <a:rPr lang="zh-CN" altLang="en-US" smtClean="0"/>
-              <a:t>2023/9/8</a:t>
+              <a:t>2023/10/30</a:t>
             </a:fld>
             <a:endParaRPr lang="zh-CN" altLang="en-US"/>
           </a:p>
@@ -8833,7 +8845,7 @@
                 <a:latin typeface="微软雅黑" panose="020B0503020204020204" pitchFamily="34" charset="-122"/>
                 <a:ea typeface="微软雅黑" panose="020B0503020204020204" pitchFamily="34" charset="-122"/>
               </a:rPr>
-              <a:t>1</a:t>
+              <a:t>2</a:t>
             </a:r>
             <a:r>
               <a:rPr lang="zh-CN" altLang="en-US" sz="2800" b="1" dirty="0">
@@ -8929,7 +8941,7 @@
                 <a:latin typeface="微软雅黑" panose="020B0503020204020204" pitchFamily="34" charset="-122"/>
                 <a:ea typeface="微软雅黑" panose="020B0503020204020204" pitchFamily="34" charset="-122"/>
               </a:rPr>
-              <a:t>3</a:t>
+              <a:t>x</a:t>
             </a:r>
             <a:r>
               <a:rPr lang="zh-CN" altLang="en-US" sz="2800" b="1" dirty="0">
